--- a/HW4/Malware.pptx
+++ b/HW4/Malware.pptx
@@ -23,12 +23,23 @@
     <p:sldId id="282" r:id="rId17"/>
     <p:sldId id="295" r:id="rId18"/>
     <p:sldId id="283" r:id="rId19"/>
-    <p:sldId id="284" r:id="rId20"/>
-    <p:sldId id="285" r:id="rId21"/>
-    <p:sldId id="286" r:id="rId22"/>
-    <p:sldId id="287" r:id="rId23"/>
-    <p:sldId id="288" r:id="rId24"/>
-    <p:sldId id="289" r:id="rId25"/>
+    <p:sldId id="296" r:id="rId20"/>
+    <p:sldId id="284" r:id="rId21"/>
+    <p:sldId id="297" r:id="rId22"/>
+    <p:sldId id="285" r:id="rId23"/>
+    <p:sldId id="298" r:id="rId24"/>
+    <p:sldId id="286" r:id="rId25"/>
+    <p:sldId id="299" r:id="rId26"/>
+    <p:sldId id="287" r:id="rId27"/>
+    <p:sldId id="300" r:id="rId28"/>
+    <p:sldId id="288" r:id="rId29"/>
+    <p:sldId id="301" r:id="rId30"/>
+    <p:sldId id="303" r:id="rId31"/>
+    <p:sldId id="304" r:id="rId32"/>
+    <p:sldId id="305" r:id="rId33"/>
+    <p:sldId id="306" r:id="rId34"/>
+    <p:sldId id="289" r:id="rId35"/>
+    <p:sldId id="302" r:id="rId36"/>
   </p:sldIdLst>
   <p:sldSz cx="12192000" cy="6858000"/>
   <p:notesSz cx="6858000" cy="9144000"/>
@@ -127,6 +138,11 @@
       </a:defRPr>
     </a:lvl9pPr>
   </p:defaultTextStyle>
+  <p:extLst>
+    <p:ext uri="{EFAFB233-063F-42B5-8137-9DF3F51BA10A}">
+      <p15:sldGuideLst xmlns:p15="http://schemas.microsoft.com/office/powerpoint/2012/main"/>
+    </p:ext>
+  </p:extLst>
 </p:presentation>
 </file>
 
@@ -3399,6 +3415,7 @@
             </a:r>
           </a:p>
           <a:p>
+            <a:pPr lvl="1"/>
             <a:r>
               <a:rPr lang="en-US" altLang="ko-KR" dirty="0" smtClean="0"/>
               <a:t>Morris Worm was missed opportunity</a:t>
@@ -4037,51 +4054,76 @@
             <a:spLocks noGrp="1"/>
           </p:cNvSpPr>
           <p:nvPr>
-            <p:ph type="ctrTitle"/>
-          </p:nvPr>
-        </p:nvSpPr>
-        <p:spPr/>
-        <p:txBody>
-          <a:bodyPr>
-            <a:normAutofit/>
-          </a:bodyPr>
-          <a:lstStyle/>
-          <a:p>
-            <a:r>
-              <a:rPr lang="en-US" altLang="ko-KR" sz="4800" b="1" dirty="0" smtClean="0"/>
-              <a:t>11.3.6 Malware </a:t>
-            </a:r>
-            <a:r>
-              <a:rPr lang="en-US" altLang="ko-KR" sz="4800" b="1" dirty="0" err="1" smtClean="0"/>
-              <a:t>Deteciton</a:t>
-            </a:r>
-            <a:endParaRPr lang="ko-KR" altLang="en-US" sz="4800" b="1" dirty="0"/>
-          </a:p>
-        </p:txBody>
-      </p:sp>
-      <p:sp>
-        <p:nvSpPr>
-          <p:cNvPr id="4" name="부제목 3"/>
-          <p:cNvSpPr>
-            <a:spLocks noGrp="1"/>
-          </p:cNvSpPr>
-          <p:nvPr>
-            <p:ph type="subTitle" idx="1"/>
-          </p:nvPr>
-        </p:nvSpPr>
-        <p:spPr/>
-        <p:txBody>
-          <a:bodyPr/>
-          <a:lstStyle/>
-          <a:p>
-            <a:endParaRPr lang="ko-KR" altLang="en-US" dirty="0"/>
+            <p:ph type="title"/>
+          </p:nvPr>
+        </p:nvSpPr>
+        <p:spPr/>
+        <p:txBody>
+          <a:bodyPr/>
+          <a:lstStyle/>
+          <a:p>
+            <a:r>
+              <a:rPr lang="en-US" altLang="ko-KR" b="1" dirty="0" smtClean="0"/>
+              <a:t>Trojan Horse</a:t>
+            </a:r>
+            <a:endParaRPr lang="ko-KR" altLang="en-US" b="1" dirty="0"/>
+          </a:p>
+        </p:txBody>
+      </p:sp>
+      <p:sp>
+        <p:nvSpPr>
+          <p:cNvPr id="3" name="내용 개체 틀 2"/>
+          <p:cNvSpPr>
+            <a:spLocks noGrp="1"/>
+          </p:cNvSpPr>
+          <p:nvPr>
+            <p:ph idx="1"/>
+          </p:nvPr>
+        </p:nvSpPr>
+        <p:spPr/>
+        <p:txBody>
+          <a:bodyPr/>
+          <a:lstStyle/>
+          <a:p>
+            <a:r>
+              <a:rPr lang="en-US" altLang="ko-KR" dirty="0" smtClean="0"/>
+              <a:t>A program that has unexpected function</a:t>
+            </a:r>
+          </a:p>
+          <a:p>
+            <a:pPr lvl="1"/>
+            <a:r>
+              <a:rPr lang="en-US" altLang="ko-KR" dirty="0" smtClean="0"/>
+              <a:t>Looks like a normal program, but not a normal program</a:t>
+            </a:r>
+          </a:p>
+          <a:p>
+            <a:pPr lvl="1"/>
+            <a:r>
+              <a:rPr lang="en-US" altLang="ko-KR" dirty="0" smtClean="0"/>
+              <a:t>For example, music.mp3.exe without extension name(.exe) can be seen as an mp3 file</a:t>
+            </a:r>
+          </a:p>
+          <a:p>
+            <a:r>
+              <a:rPr lang="en-US" altLang="ko-KR" dirty="0" smtClean="0"/>
+              <a:t>Can be malicious</a:t>
+            </a:r>
+          </a:p>
+          <a:p>
+            <a:pPr lvl="1"/>
+            <a:r>
+              <a:rPr lang="en-US" altLang="ko-KR" dirty="0" smtClean="0"/>
+              <a:t>The program could have done anything that a user who executed the program could do</a:t>
+            </a:r>
+            <a:endParaRPr lang="en-US" altLang="ko-KR" dirty="0" smtClean="0"/>
           </a:p>
         </p:txBody>
       </p:sp>
     </p:spTree>
     <p:extLst>
       <p:ext uri="{BB962C8B-B14F-4D97-AF65-F5344CB8AC3E}">
-        <p14:creationId xmlns:p14="http://schemas.microsoft.com/office/powerpoint/2010/main" val="115990524"/>
+        <p14:creationId xmlns:p14="http://schemas.microsoft.com/office/powerpoint/2010/main" val="170688589"/>
       </p:ext>
     </p:extLst>
   </p:cSld>
@@ -4250,7 +4292,11 @@
           <a:p>
             <a:r>
               <a:rPr lang="en-US" altLang="ko-KR" sz="4800" b="1" dirty="0" smtClean="0"/>
-              <a:t>11.3.6.1 Signature Detection</a:t>
+              <a:t>11.3.6 Malware </a:t>
+            </a:r>
+            <a:r>
+              <a:rPr lang="en-US" altLang="ko-KR" sz="4800" b="1" dirty="0" err="1" smtClean="0"/>
+              <a:t>Deteciton</a:t>
             </a:r>
             <a:endParaRPr lang="ko-KR" altLang="en-US" sz="4800" b="1" dirty="0"/>
           </a:p>
@@ -4278,7 +4324,7 @@
     </p:spTree>
     <p:extLst>
       <p:ext uri="{BB962C8B-B14F-4D97-AF65-F5344CB8AC3E}">
-        <p14:creationId xmlns:p14="http://schemas.microsoft.com/office/powerpoint/2010/main" val="3916461909"/>
+        <p14:creationId xmlns:p14="http://schemas.microsoft.com/office/powerpoint/2010/main" val="115990524"/>
       </p:ext>
     </p:extLst>
   </p:cSld>
@@ -4319,47 +4365,78 @@
             <a:spLocks noGrp="1"/>
           </p:cNvSpPr>
           <p:nvPr>
-            <p:ph type="ctrTitle"/>
-          </p:nvPr>
-        </p:nvSpPr>
-        <p:spPr/>
-        <p:txBody>
-          <a:bodyPr>
-            <a:normAutofit/>
-          </a:bodyPr>
-          <a:lstStyle/>
-          <a:p>
-            <a:r>
-              <a:rPr lang="en-US" altLang="ko-KR" sz="4800" b="1" dirty="0" smtClean="0"/>
-              <a:t>11.3.6.2 Change Detection</a:t>
-            </a:r>
-            <a:endParaRPr lang="ko-KR" altLang="en-US" sz="4800" b="1" dirty="0"/>
-          </a:p>
-        </p:txBody>
-      </p:sp>
-      <p:sp>
-        <p:nvSpPr>
-          <p:cNvPr id="4" name="부제목 3"/>
-          <p:cNvSpPr>
-            <a:spLocks noGrp="1"/>
-          </p:cNvSpPr>
-          <p:nvPr>
-            <p:ph type="subTitle" idx="1"/>
-          </p:nvPr>
-        </p:nvSpPr>
-        <p:spPr/>
-        <p:txBody>
-          <a:bodyPr/>
-          <a:lstStyle/>
-          <a:p>
-            <a:endParaRPr lang="ko-KR" altLang="en-US" dirty="0"/>
+            <p:ph type="title"/>
+          </p:nvPr>
+        </p:nvSpPr>
+        <p:spPr/>
+        <p:txBody>
+          <a:bodyPr/>
+          <a:lstStyle/>
+          <a:p>
+            <a:r>
+              <a:rPr lang="en-US" altLang="ko-KR" b="1" dirty="0" smtClean="0"/>
+              <a:t>How to</a:t>
+            </a:r>
+            <a:r>
+              <a:rPr lang="en-US" altLang="ko-KR" b="1" dirty="0" smtClean="0"/>
+              <a:t> Detect Malware</a:t>
+            </a:r>
+            <a:endParaRPr lang="ko-KR" altLang="en-US" b="1" dirty="0"/>
+          </a:p>
+        </p:txBody>
+      </p:sp>
+      <p:sp>
+        <p:nvSpPr>
+          <p:cNvPr id="3" name="내용 개체 틀 2"/>
+          <p:cNvSpPr>
+            <a:spLocks noGrp="1"/>
+          </p:cNvSpPr>
+          <p:nvPr>
+            <p:ph idx="1"/>
+          </p:nvPr>
+        </p:nvSpPr>
+        <p:spPr/>
+        <p:txBody>
+          <a:bodyPr/>
+          <a:lstStyle/>
+          <a:p>
+            <a:r>
+              <a:rPr lang="en-US" altLang="ko-KR" dirty="0" smtClean="0"/>
+              <a:t>Three general approaches</a:t>
+            </a:r>
+          </a:p>
+          <a:p>
+            <a:pPr lvl="1"/>
+            <a:r>
+              <a:rPr lang="en-US" altLang="ko-KR" dirty="0" smtClean="0"/>
+              <a:t>each has relative advantages and disadvantages</a:t>
+            </a:r>
+          </a:p>
+          <a:p>
+            <a:r>
+              <a:rPr lang="en-US" altLang="ko-KR" dirty="0" smtClean="0"/>
+              <a:t>Most and common, signature detection</a:t>
+            </a:r>
+          </a:p>
+          <a:p>
+            <a:r>
+              <a:rPr lang="en-US" altLang="ko-KR" dirty="0" smtClean="0"/>
+              <a:t>Change detection</a:t>
+            </a:r>
+          </a:p>
+          <a:p>
+            <a:r>
+              <a:rPr lang="en-US" altLang="ko-KR" dirty="0" smtClean="0"/>
+              <a:t>Anomaly detection</a:t>
+            </a:r>
+            <a:endParaRPr lang="en-US" altLang="ko-KR" dirty="0" smtClean="0"/>
           </a:p>
         </p:txBody>
       </p:sp>
     </p:spTree>
     <p:extLst>
       <p:ext uri="{BB962C8B-B14F-4D97-AF65-F5344CB8AC3E}">
-        <p14:creationId xmlns:p14="http://schemas.microsoft.com/office/powerpoint/2010/main" val="2374407259"/>
+        <p14:creationId xmlns:p14="http://schemas.microsoft.com/office/powerpoint/2010/main" val="1028573279"/>
       </p:ext>
     </p:extLst>
   </p:cSld>
@@ -4412,7 +4489,7 @@
           <a:p>
             <a:r>
               <a:rPr lang="en-US" altLang="ko-KR" sz="4800" b="1" dirty="0" smtClean="0"/>
-              <a:t>11.3.6.3 Anomaly Detection</a:t>
+              <a:t>11.3.6.1 Signature Detection</a:t>
             </a:r>
             <a:endParaRPr lang="ko-KR" altLang="en-US" sz="4800" b="1" dirty="0"/>
           </a:p>
@@ -4440,7 +4517,7 @@
     </p:spTree>
     <p:extLst>
       <p:ext uri="{BB962C8B-B14F-4D97-AF65-F5344CB8AC3E}">
-        <p14:creationId xmlns:p14="http://schemas.microsoft.com/office/powerpoint/2010/main" val="3514097468"/>
+        <p14:creationId xmlns:p14="http://schemas.microsoft.com/office/powerpoint/2010/main" val="3916461909"/>
       </p:ext>
     </p:extLst>
   </p:cSld>
@@ -4481,47 +4558,93 @@
             <a:spLocks noGrp="1"/>
           </p:cNvSpPr>
           <p:nvPr>
-            <p:ph type="ctrTitle"/>
-          </p:nvPr>
-        </p:nvSpPr>
-        <p:spPr/>
-        <p:txBody>
-          <a:bodyPr>
-            <a:normAutofit/>
-          </a:bodyPr>
-          <a:lstStyle/>
-          <a:p>
-            <a:r>
-              <a:rPr lang="en-US" altLang="ko-KR" sz="4800" b="1" dirty="0" smtClean="0"/>
-              <a:t>11.3.7 The Future of Malware</a:t>
-            </a:r>
-            <a:endParaRPr lang="ko-KR" altLang="en-US" sz="4800" b="1" dirty="0"/>
-          </a:p>
-        </p:txBody>
-      </p:sp>
-      <p:sp>
-        <p:nvSpPr>
-          <p:cNvPr id="4" name="부제목 3"/>
-          <p:cNvSpPr>
-            <a:spLocks noGrp="1"/>
-          </p:cNvSpPr>
-          <p:nvPr>
-            <p:ph type="subTitle" idx="1"/>
-          </p:nvPr>
-        </p:nvSpPr>
-        <p:spPr/>
-        <p:txBody>
-          <a:bodyPr/>
-          <a:lstStyle/>
-          <a:p>
-            <a:endParaRPr lang="ko-KR" altLang="en-US" dirty="0"/>
+            <p:ph type="title"/>
+          </p:nvPr>
+        </p:nvSpPr>
+        <p:spPr/>
+        <p:txBody>
+          <a:bodyPr/>
+          <a:lstStyle/>
+          <a:p>
+            <a:r>
+              <a:rPr lang="en-US" altLang="ko-KR" b="1" dirty="0" smtClean="0"/>
+              <a:t>Signature Detection</a:t>
+            </a:r>
+            <a:endParaRPr lang="ko-KR" altLang="en-US" b="1" dirty="0"/>
+          </a:p>
+        </p:txBody>
+      </p:sp>
+      <p:sp>
+        <p:nvSpPr>
+          <p:cNvPr id="3" name="내용 개체 틀 2"/>
+          <p:cNvSpPr>
+            <a:spLocks noGrp="1"/>
+          </p:cNvSpPr>
+          <p:nvPr>
+            <p:ph idx="1"/>
+          </p:nvPr>
+        </p:nvSpPr>
+        <p:spPr/>
+        <p:txBody>
+          <a:bodyPr/>
+          <a:lstStyle/>
+          <a:p>
+            <a:r>
+              <a:rPr lang="en-US" altLang="ko-KR" dirty="0" smtClean="0"/>
+              <a:t>Most common way to detect malware</a:t>
+            </a:r>
+          </a:p>
+          <a:p>
+            <a:r>
+              <a:rPr lang="en-US" altLang="ko-KR" dirty="0" smtClean="0"/>
+              <a:t>Detects using common string of bits</a:t>
+            </a:r>
+          </a:p>
+          <a:p>
+            <a:pPr lvl="1"/>
+            <a:r>
+              <a:rPr lang="en-US" altLang="ko-KR" dirty="0" smtClean="0"/>
+              <a:t>83EB 0274 EB02 740A 81EB 0301 0000 for example, which is signature of W32/Beast virus</a:t>
+            </a:r>
+          </a:p>
+          <a:p>
+            <a:pPr lvl="1"/>
+            <a:r>
+              <a:rPr lang="en-US" altLang="ko-KR" dirty="0" smtClean="0"/>
+              <a:t>But innocent file also can be detected as malware</a:t>
+            </a:r>
+          </a:p>
+          <a:p>
+            <a:r>
+              <a:rPr lang="en-US" altLang="ko-KR" dirty="0" smtClean="0"/>
+              <a:t>Highly effective on well-known malware</a:t>
+            </a:r>
+          </a:p>
+          <a:p>
+            <a:r>
+              <a:rPr lang="en-US" altLang="ko-KR" dirty="0" smtClean="0"/>
+              <a:t>Minimal burden on users and administrators</a:t>
+            </a:r>
+          </a:p>
+          <a:p>
+            <a:r>
+              <a:rPr lang="en-US" altLang="ko-KR" dirty="0" smtClean="0"/>
+              <a:t>Signature files become large and slowdown scanning</a:t>
+            </a:r>
+          </a:p>
+          <a:p>
+            <a:r>
+              <a:rPr lang="en-US" altLang="ko-KR" dirty="0" smtClean="0"/>
+              <a:t>Recent or slight variant of a known malware might be missed</a:t>
+            </a:r>
+            <a:endParaRPr lang="en-US" altLang="ko-KR" dirty="0" smtClean="0"/>
           </a:p>
         </p:txBody>
       </p:sp>
     </p:spTree>
     <p:extLst>
       <p:ext uri="{BB962C8B-B14F-4D97-AF65-F5344CB8AC3E}">
-        <p14:creationId xmlns:p14="http://schemas.microsoft.com/office/powerpoint/2010/main" val="3029627030"/>
+        <p14:creationId xmlns:p14="http://schemas.microsoft.com/office/powerpoint/2010/main" val="319040806"/>
       </p:ext>
     </p:extLst>
   </p:cSld>
@@ -4574,7 +4697,7 @@
           <a:p>
             <a:r>
               <a:rPr lang="en-US" altLang="ko-KR" sz="4800" b="1" dirty="0" smtClean="0"/>
-              <a:t>11.3.8 Cyber Diseases Versus Biological Diseases</a:t>
+              <a:t>11.3.6.2 Change Detection</a:t>
             </a:r>
             <a:endParaRPr lang="ko-KR" altLang="en-US" sz="4800" b="1" dirty="0"/>
           </a:p>
@@ -4602,7 +4725,548 @@
     </p:spTree>
     <p:extLst>
       <p:ext uri="{BB962C8B-B14F-4D97-AF65-F5344CB8AC3E}">
-        <p14:creationId xmlns:p14="http://schemas.microsoft.com/office/powerpoint/2010/main" val="1181246989"/>
+        <p14:creationId xmlns:p14="http://schemas.microsoft.com/office/powerpoint/2010/main" val="2374407259"/>
+      </p:ext>
+    </p:extLst>
+  </p:cSld>
+  <p:clrMapOvr>
+    <a:masterClrMapping/>
+  </p:clrMapOvr>
+  <p:timing>
+    <p:tnLst>
+      <p:par>
+        <p:cTn id="1" dur="indefinite" restart="never" nodeType="tmRoot"/>
+      </p:par>
+    </p:tnLst>
+  </p:timing>
+</p:sld>
+</file>
+
+<file path=ppt/slides/slide25.xml><?xml version="1.0" encoding="utf-8"?>
+<p:sld xmlns:a="http://schemas.openxmlformats.org/drawingml/2006/main" xmlns:r="http://schemas.openxmlformats.org/officeDocument/2006/relationships" xmlns:p="http://schemas.openxmlformats.org/presentationml/2006/main">
+  <p:cSld>
+    <p:spTree>
+      <p:nvGrpSpPr>
+        <p:cNvPr id="1" name=""/>
+        <p:cNvGrpSpPr/>
+        <p:nvPr/>
+      </p:nvGrpSpPr>
+      <p:grpSpPr>
+        <a:xfrm>
+          <a:off x="0" y="0"/>
+          <a:ext cx="0" cy="0"/>
+          <a:chOff x="0" y="0"/>
+          <a:chExt cx="0" cy="0"/>
+        </a:xfrm>
+      </p:grpSpPr>
+      <p:sp>
+        <p:nvSpPr>
+          <p:cNvPr id="2" name="제목 1"/>
+          <p:cNvSpPr>
+            <a:spLocks noGrp="1"/>
+          </p:cNvSpPr>
+          <p:nvPr>
+            <p:ph type="title"/>
+          </p:nvPr>
+        </p:nvSpPr>
+        <p:spPr/>
+        <p:txBody>
+          <a:bodyPr/>
+          <a:lstStyle/>
+          <a:p>
+            <a:r>
+              <a:rPr lang="en-US" altLang="ko-KR" b="1" dirty="0" smtClean="0"/>
+              <a:t>Change Detection</a:t>
+            </a:r>
+            <a:endParaRPr lang="ko-KR" altLang="en-US" b="1" dirty="0"/>
+          </a:p>
+        </p:txBody>
+      </p:sp>
+      <p:sp>
+        <p:nvSpPr>
+          <p:cNvPr id="3" name="내용 개체 틀 2"/>
+          <p:cNvSpPr>
+            <a:spLocks noGrp="1"/>
+          </p:cNvSpPr>
+          <p:nvPr>
+            <p:ph idx="1"/>
+          </p:nvPr>
+        </p:nvSpPr>
+        <p:spPr/>
+        <p:txBody>
+          <a:bodyPr/>
+          <a:lstStyle/>
+          <a:p>
+            <a:r>
+              <a:rPr lang="en-US" altLang="ko-KR" dirty="0" smtClean="0"/>
+              <a:t>Detects changes somewhere on a system</a:t>
+            </a:r>
+          </a:p>
+          <a:p>
+            <a:r>
+              <a:rPr lang="en-US" altLang="ko-KR" dirty="0" smtClean="0"/>
+              <a:t>Hash functions are useful</a:t>
+            </a:r>
+            <a:endParaRPr lang="en-US" altLang="ko-KR" dirty="0"/>
+          </a:p>
+          <a:p>
+            <a:pPr lvl="1"/>
+            <a:r>
+              <a:rPr lang="en-US" altLang="ko-KR" dirty="0" smtClean="0"/>
+              <a:t>Hashes all files on a system and securely store these hash values</a:t>
+            </a:r>
+          </a:p>
+          <a:p>
+            <a:pPr lvl="1"/>
+            <a:r>
+              <a:rPr lang="en-US" altLang="ko-KR" dirty="0" smtClean="0"/>
+              <a:t>periodic </a:t>
+            </a:r>
+            <a:r>
+              <a:rPr lang="en-US" altLang="ko-KR" dirty="0" err="1" smtClean="0"/>
+              <a:t>recompute</a:t>
+            </a:r>
+            <a:r>
+              <a:rPr lang="en-US" altLang="ko-KR" dirty="0" smtClean="0"/>
+              <a:t> the hashes and compare new values</a:t>
+            </a:r>
+          </a:p>
+          <a:p>
+            <a:r>
+              <a:rPr lang="en-US" altLang="ko-KR" dirty="0" smtClean="0"/>
+              <a:t>If file has been infected, always can detect a change</a:t>
+            </a:r>
+          </a:p>
+          <a:p>
+            <a:r>
+              <a:rPr lang="en-US" altLang="ko-KR" dirty="0" smtClean="0"/>
+              <a:t>Previously unknown malware can be detected</a:t>
+            </a:r>
+          </a:p>
+          <a:p>
+            <a:r>
+              <a:rPr lang="en-US" altLang="ko-KR" dirty="0" smtClean="0"/>
+              <a:t>But files on a system often change</a:t>
+            </a:r>
+          </a:p>
+          <a:p>
+            <a:pPr lvl="1"/>
+            <a:r>
+              <a:rPr lang="en-US" altLang="ko-KR" dirty="0" smtClean="0"/>
+              <a:t>Heavy burden on users and administrators</a:t>
+            </a:r>
+            <a:endParaRPr lang="en-US" altLang="ko-KR" dirty="0"/>
+          </a:p>
+          <a:p>
+            <a:pPr lvl="1"/>
+            <a:r>
+              <a:rPr lang="en-US" altLang="ko-KR" dirty="0" smtClean="0"/>
+              <a:t>Also, if malware is changed often, it can avoid change detection</a:t>
+            </a:r>
+          </a:p>
+        </p:txBody>
+      </p:sp>
+    </p:spTree>
+    <p:extLst>
+      <p:ext uri="{BB962C8B-B14F-4D97-AF65-F5344CB8AC3E}">
+        <p14:creationId xmlns:p14="http://schemas.microsoft.com/office/powerpoint/2010/main" val="3373297055"/>
+      </p:ext>
+    </p:extLst>
+  </p:cSld>
+  <p:clrMapOvr>
+    <a:masterClrMapping/>
+  </p:clrMapOvr>
+  <p:timing>
+    <p:tnLst>
+      <p:par>
+        <p:cTn id="1" dur="indefinite" restart="never" nodeType="tmRoot"/>
+      </p:par>
+    </p:tnLst>
+  </p:timing>
+</p:sld>
+</file>
+
+<file path=ppt/slides/slide26.xml><?xml version="1.0" encoding="utf-8"?>
+<p:sld xmlns:a="http://schemas.openxmlformats.org/drawingml/2006/main" xmlns:r="http://schemas.openxmlformats.org/officeDocument/2006/relationships" xmlns:p="http://schemas.openxmlformats.org/presentationml/2006/main">
+  <p:cSld>
+    <p:spTree>
+      <p:nvGrpSpPr>
+        <p:cNvPr id="1" name=""/>
+        <p:cNvGrpSpPr/>
+        <p:nvPr/>
+      </p:nvGrpSpPr>
+      <p:grpSpPr>
+        <a:xfrm>
+          <a:off x="0" y="0"/>
+          <a:ext cx="0" cy="0"/>
+          <a:chOff x="0" y="0"/>
+          <a:chExt cx="0" cy="0"/>
+        </a:xfrm>
+      </p:grpSpPr>
+      <p:sp>
+        <p:nvSpPr>
+          <p:cNvPr id="2" name="제목 1"/>
+          <p:cNvSpPr>
+            <a:spLocks noGrp="1"/>
+          </p:cNvSpPr>
+          <p:nvPr>
+            <p:ph type="ctrTitle"/>
+          </p:nvPr>
+        </p:nvSpPr>
+        <p:spPr/>
+        <p:txBody>
+          <a:bodyPr>
+            <a:normAutofit/>
+          </a:bodyPr>
+          <a:lstStyle/>
+          <a:p>
+            <a:r>
+              <a:rPr lang="en-US" altLang="ko-KR" sz="4800" b="1" dirty="0" smtClean="0"/>
+              <a:t>11.3.6.3 Anomaly Detection</a:t>
+            </a:r>
+            <a:endParaRPr lang="ko-KR" altLang="en-US" sz="4800" b="1" dirty="0"/>
+          </a:p>
+        </p:txBody>
+      </p:sp>
+      <p:sp>
+        <p:nvSpPr>
+          <p:cNvPr id="4" name="부제목 3"/>
+          <p:cNvSpPr>
+            <a:spLocks noGrp="1"/>
+          </p:cNvSpPr>
+          <p:nvPr>
+            <p:ph type="subTitle" idx="1"/>
+          </p:nvPr>
+        </p:nvSpPr>
+        <p:spPr/>
+        <p:txBody>
+          <a:bodyPr/>
+          <a:lstStyle/>
+          <a:p>
+            <a:endParaRPr lang="ko-KR" altLang="en-US" dirty="0"/>
+          </a:p>
+        </p:txBody>
+      </p:sp>
+    </p:spTree>
+    <p:extLst>
+      <p:ext uri="{BB962C8B-B14F-4D97-AF65-F5344CB8AC3E}">
+        <p14:creationId xmlns:p14="http://schemas.microsoft.com/office/powerpoint/2010/main" val="3514097468"/>
+      </p:ext>
+    </p:extLst>
+  </p:cSld>
+  <p:clrMapOvr>
+    <a:masterClrMapping/>
+  </p:clrMapOvr>
+  <p:timing>
+    <p:tnLst>
+      <p:par>
+        <p:cTn id="1" dur="indefinite" restart="never" nodeType="tmRoot"/>
+      </p:par>
+    </p:tnLst>
+  </p:timing>
+</p:sld>
+</file>
+
+<file path=ppt/slides/slide27.xml><?xml version="1.0" encoding="utf-8"?>
+<p:sld xmlns:a="http://schemas.openxmlformats.org/drawingml/2006/main" xmlns:r="http://schemas.openxmlformats.org/officeDocument/2006/relationships" xmlns:p="http://schemas.openxmlformats.org/presentationml/2006/main">
+  <p:cSld>
+    <p:spTree>
+      <p:nvGrpSpPr>
+        <p:cNvPr id="1" name=""/>
+        <p:cNvGrpSpPr/>
+        <p:nvPr/>
+      </p:nvGrpSpPr>
+      <p:grpSpPr>
+        <a:xfrm>
+          <a:off x="0" y="0"/>
+          <a:ext cx="0" cy="0"/>
+          <a:chOff x="0" y="0"/>
+          <a:chExt cx="0" cy="0"/>
+        </a:xfrm>
+      </p:grpSpPr>
+      <p:sp>
+        <p:nvSpPr>
+          <p:cNvPr id="2" name="제목 1"/>
+          <p:cNvSpPr>
+            <a:spLocks noGrp="1"/>
+          </p:cNvSpPr>
+          <p:nvPr>
+            <p:ph type="title"/>
+          </p:nvPr>
+        </p:nvSpPr>
+        <p:spPr/>
+        <p:txBody>
+          <a:bodyPr/>
+          <a:lstStyle/>
+          <a:p>
+            <a:r>
+              <a:rPr lang="en-US" altLang="ko-KR" b="1" dirty="0" smtClean="0"/>
+              <a:t>Anomaly Detection</a:t>
+            </a:r>
+            <a:endParaRPr lang="ko-KR" altLang="en-US" b="1" dirty="0"/>
+          </a:p>
+        </p:txBody>
+      </p:sp>
+      <p:sp>
+        <p:nvSpPr>
+          <p:cNvPr id="3" name="내용 개체 틀 2"/>
+          <p:cNvSpPr>
+            <a:spLocks noGrp="1"/>
+          </p:cNvSpPr>
+          <p:nvPr>
+            <p:ph idx="1"/>
+          </p:nvPr>
+        </p:nvSpPr>
+        <p:spPr/>
+        <p:txBody>
+          <a:bodyPr/>
+          <a:lstStyle/>
+          <a:p>
+            <a:r>
+              <a:rPr lang="en-US" altLang="ko-KR" dirty="0" smtClean="0"/>
+              <a:t>Detects unusual, virus-like, or other potentially malicious activity and behavior</a:t>
+            </a:r>
+          </a:p>
+          <a:p>
+            <a:r>
+              <a:rPr lang="en-US" altLang="ko-KR" dirty="0" smtClean="0"/>
+              <a:t>Distinguishing what is normal and what is unusual is challenging</a:t>
+            </a:r>
+          </a:p>
+          <a:p>
+            <a:r>
+              <a:rPr lang="en-US" altLang="ko-KR" dirty="0" smtClean="0"/>
+              <a:t>Some hope of detecting previously unknown malware</a:t>
+            </a:r>
+          </a:p>
+          <a:p>
+            <a:r>
+              <a:rPr lang="en-US" altLang="ko-KR" dirty="0" smtClean="0"/>
+              <a:t>But in practice, anomaly detection is largely unproven</a:t>
+            </a:r>
+          </a:p>
+          <a:p>
+            <a:pPr lvl="1"/>
+            <a:r>
+              <a:rPr lang="en-US" altLang="ko-KR" dirty="0" smtClean="0"/>
+              <a:t>Not robust enough to be used as a standalone detection system</a:t>
+            </a:r>
+          </a:p>
+          <a:p>
+            <a:pPr lvl="1"/>
+            <a:r>
+              <a:rPr lang="en-US" altLang="ko-KR" dirty="0" smtClean="0"/>
+              <a:t>Usually combined with a signature detection system</a:t>
+            </a:r>
+            <a:endParaRPr lang="en-US" altLang="ko-KR" dirty="0" smtClean="0"/>
+          </a:p>
+        </p:txBody>
+      </p:sp>
+    </p:spTree>
+    <p:extLst>
+      <p:ext uri="{BB962C8B-B14F-4D97-AF65-F5344CB8AC3E}">
+        <p14:creationId xmlns:p14="http://schemas.microsoft.com/office/powerpoint/2010/main" val="3495954398"/>
+      </p:ext>
+    </p:extLst>
+  </p:cSld>
+  <p:clrMapOvr>
+    <a:masterClrMapping/>
+  </p:clrMapOvr>
+  <p:timing>
+    <p:tnLst>
+      <p:par>
+        <p:cTn id="1" dur="indefinite" restart="never" nodeType="tmRoot"/>
+      </p:par>
+    </p:tnLst>
+  </p:timing>
+</p:sld>
+</file>
+
+<file path=ppt/slides/slide28.xml><?xml version="1.0" encoding="utf-8"?>
+<p:sld xmlns:a="http://schemas.openxmlformats.org/drawingml/2006/main" xmlns:r="http://schemas.openxmlformats.org/officeDocument/2006/relationships" xmlns:p="http://schemas.openxmlformats.org/presentationml/2006/main">
+  <p:cSld>
+    <p:spTree>
+      <p:nvGrpSpPr>
+        <p:cNvPr id="1" name=""/>
+        <p:cNvGrpSpPr/>
+        <p:nvPr/>
+      </p:nvGrpSpPr>
+      <p:grpSpPr>
+        <a:xfrm>
+          <a:off x="0" y="0"/>
+          <a:ext cx="0" cy="0"/>
+          <a:chOff x="0" y="0"/>
+          <a:chExt cx="0" cy="0"/>
+        </a:xfrm>
+      </p:grpSpPr>
+      <p:sp>
+        <p:nvSpPr>
+          <p:cNvPr id="2" name="제목 1"/>
+          <p:cNvSpPr>
+            <a:spLocks noGrp="1"/>
+          </p:cNvSpPr>
+          <p:nvPr>
+            <p:ph type="ctrTitle"/>
+          </p:nvPr>
+        </p:nvSpPr>
+        <p:spPr/>
+        <p:txBody>
+          <a:bodyPr>
+            <a:normAutofit/>
+          </a:bodyPr>
+          <a:lstStyle/>
+          <a:p>
+            <a:r>
+              <a:rPr lang="en-US" altLang="ko-KR" sz="4800" b="1" dirty="0" smtClean="0"/>
+              <a:t>11.3.7 The Future of Malware</a:t>
+            </a:r>
+            <a:endParaRPr lang="ko-KR" altLang="en-US" sz="4800" b="1" dirty="0"/>
+          </a:p>
+        </p:txBody>
+      </p:sp>
+      <p:sp>
+        <p:nvSpPr>
+          <p:cNvPr id="4" name="부제목 3"/>
+          <p:cNvSpPr>
+            <a:spLocks noGrp="1"/>
+          </p:cNvSpPr>
+          <p:nvPr>
+            <p:ph type="subTitle" idx="1"/>
+          </p:nvPr>
+        </p:nvSpPr>
+        <p:spPr/>
+        <p:txBody>
+          <a:bodyPr/>
+          <a:lstStyle/>
+          <a:p>
+            <a:endParaRPr lang="ko-KR" altLang="en-US" dirty="0"/>
+          </a:p>
+        </p:txBody>
+      </p:sp>
+    </p:spTree>
+    <p:extLst>
+      <p:ext uri="{BB962C8B-B14F-4D97-AF65-F5344CB8AC3E}">
+        <p14:creationId xmlns:p14="http://schemas.microsoft.com/office/powerpoint/2010/main" val="3029627030"/>
+      </p:ext>
+    </p:extLst>
+  </p:cSld>
+  <p:clrMapOvr>
+    <a:masterClrMapping/>
+  </p:clrMapOvr>
+  <p:timing>
+    <p:tnLst>
+      <p:par>
+        <p:cTn id="1" dur="indefinite" restart="never" nodeType="tmRoot"/>
+      </p:par>
+    </p:tnLst>
+  </p:timing>
+</p:sld>
+</file>
+
+<file path=ppt/slides/slide29.xml><?xml version="1.0" encoding="utf-8"?>
+<p:sld xmlns:a="http://schemas.openxmlformats.org/drawingml/2006/main" xmlns:r="http://schemas.openxmlformats.org/officeDocument/2006/relationships" xmlns:p="http://schemas.openxmlformats.org/presentationml/2006/main">
+  <p:cSld>
+    <p:spTree>
+      <p:nvGrpSpPr>
+        <p:cNvPr id="1" name=""/>
+        <p:cNvGrpSpPr/>
+        <p:nvPr/>
+      </p:nvGrpSpPr>
+      <p:grpSpPr>
+        <a:xfrm>
+          <a:off x="0" y="0"/>
+          <a:ext cx="0" cy="0"/>
+          <a:chOff x="0" y="0"/>
+          <a:chExt cx="0" cy="0"/>
+        </a:xfrm>
+      </p:grpSpPr>
+      <p:sp>
+        <p:nvSpPr>
+          <p:cNvPr id="2" name="제목 1"/>
+          <p:cNvSpPr>
+            <a:spLocks noGrp="1"/>
+          </p:cNvSpPr>
+          <p:nvPr>
+            <p:ph type="title"/>
+          </p:nvPr>
+        </p:nvSpPr>
+        <p:spPr/>
+        <p:txBody>
+          <a:bodyPr/>
+          <a:lstStyle/>
+          <a:p>
+            <a:r>
+              <a:rPr lang="en-US" altLang="ko-KR" b="1" dirty="0" smtClean="0"/>
+              <a:t>Encrypted Malware</a:t>
+            </a:r>
+            <a:endParaRPr lang="ko-KR" altLang="en-US" b="1" dirty="0"/>
+          </a:p>
+        </p:txBody>
+      </p:sp>
+      <p:sp>
+        <p:nvSpPr>
+          <p:cNvPr id="3" name="내용 개체 틀 2"/>
+          <p:cNvSpPr>
+            <a:spLocks noGrp="1"/>
+          </p:cNvSpPr>
+          <p:nvPr>
+            <p:ph idx="1"/>
+          </p:nvPr>
+        </p:nvSpPr>
+        <p:spPr/>
+        <p:txBody>
+          <a:bodyPr/>
+          <a:lstStyle/>
+          <a:p>
+            <a:r>
+              <a:rPr lang="en-US" altLang="ko-KR" dirty="0" smtClean="0"/>
+              <a:t>As the detections are stronger, also the malwares are harder to be detected</a:t>
+            </a:r>
+          </a:p>
+          <a:p>
+            <a:r>
+              <a:rPr lang="en-US" altLang="ko-KR" dirty="0" smtClean="0"/>
+              <a:t>Encrypted malware</a:t>
+            </a:r>
+          </a:p>
+          <a:p>
+            <a:pPr lvl="1"/>
+            <a:r>
+              <a:rPr lang="en-US" altLang="ko-KR" dirty="0" smtClean="0"/>
+              <a:t>Responses to s</a:t>
+            </a:r>
+            <a:r>
+              <a:rPr lang="en-US" altLang="ko-KR" dirty="0" smtClean="0"/>
+              <a:t>ignature detection</a:t>
+            </a:r>
+          </a:p>
+          <a:p>
+            <a:pPr lvl="1"/>
+            <a:r>
+              <a:rPr lang="en-US" altLang="ko-KR" dirty="0" smtClean="0"/>
+              <a:t>Changes itself by using different keys each time it propagates</a:t>
+            </a:r>
+          </a:p>
+          <a:p>
+            <a:r>
+              <a:rPr lang="en-US" altLang="ko-KR" dirty="0" smtClean="0"/>
+              <a:t>Must include decryption code is the Achilles heel</a:t>
+            </a:r>
+          </a:p>
+          <a:p>
+            <a:pPr lvl="1"/>
+            <a:r>
+              <a:rPr lang="en-US" altLang="ko-KR" dirty="0" smtClean="0"/>
+              <a:t>So still can be detected by signature detection, but it makes detection slower than when detects unencrypted malware</a:t>
+            </a:r>
+            <a:endParaRPr lang="en-US" altLang="ko-KR" dirty="0" smtClean="0"/>
+          </a:p>
+        </p:txBody>
+      </p:sp>
+    </p:spTree>
+    <p:extLst>
+      <p:ext uri="{BB962C8B-B14F-4D97-AF65-F5344CB8AC3E}">
+        <p14:creationId xmlns:p14="http://schemas.microsoft.com/office/powerpoint/2010/main" val="2344333146"/>
       </p:ext>
     </p:extLst>
   </p:cSld>
@@ -4738,6 +5402,718 @@
     <p:extLst>
       <p:ext uri="{BB962C8B-B14F-4D97-AF65-F5344CB8AC3E}">
         <p14:creationId xmlns:p14="http://schemas.microsoft.com/office/powerpoint/2010/main" val="3648108553"/>
+      </p:ext>
+    </p:extLst>
+  </p:cSld>
+  <p:clrMapOvr>
+    <a:masterClrMapping/>
+  </p:clrMapOvr>
+  <p:timing>
+    <p:tnLst>
+      <p:par>
+        <p:cTn id="1" dur="indefinite" restart="never" nodeType="tmRoot"/>
+      </p:par>
+    </p:tnLst>
+  </p:timing>
+</p:sld>
+</file>
+
+<file path=ppt/slides/slide30.xml><?xml version="1.0" encoding="utf-8"?>
+<p:sld xmlns:a="http://schemas.openxmlformats.org/drawingml/2006/main" xmlns:r="http://schemas.openxmlformats.org/officeDocument/2006/relationships" xmlns:p="http://schemas.openxmlformats.org/presentationml/2006/main">
+  <p:cSld>
+    <p:spTree>
+      <p:nvGrpSpPr>
+        <p:cNvPr id="1" name=""/>
+        <p:cNvGrpSpPr/>
+        <p:nvPr/>
+      </p:nvGrpSpPr>
+      <p:grpSpPr>
+        <a:xfrm>
+          <a:off x="0" y="0"/>
+          <a:ext cx="0" cy="0"/>
+          <a:chOff x="0" y="0"/>
+          <a:chExt cx="0" cy="0"/>
+        </a:xfrm>
+      </p:grpSpPr>
+      <p:sp>
+        <p:nvSpPr>
+          <p:cNvPr id="2" name="제목 1"/>
+          <p:cNvSpPr>
+            <a:spLocks noGrp="1"/>
+          </p:cNvSpPr>
+          <p:nvPr>
+            <p:ph type="title"/>
+          </p:nvPr>
+        </p:nvSpPr>
+        <p:spPr/>
+        <p:txBody>
+          <a:bodyPr/>
+          <a:lstStyle/>
+          <a:p>
+            <a:r>
+              <a:rPr lang="en-US" altLang="ko-KR" b="1" dirty="0" smtClean="0"/>
+              <a:t>Polymorphic Malware</a:t>
+            </a:r>
+            <a:endParaRPr lang="ko-KR" altLang="en-US" b="1" dirty="0"/>
+          </a:p>
+        </p:txBody>
+      </p:sp>
+      <p:sp>
+        <p:nvSpPr>
+          <p:cNvPr id="3" name="내용 개체 틀 2"/>
+          <p:cNvSpPr>
+            <a:spLocks noGrp="1"/>
+          </p:cNvSpPr>
+          <p:nvPr>
+            <p:ph idx="1"/>
+          </p:nvPr>
+        </p:nvSpPr>
+        <p:spPr/>
+        <p:txBody>
+          <a:bodyPr/>
+          <a:lstStyle/>
+          <a:p>
+            <a:r>
+              <a:rPr lang="en-US" altLang="ko-KR" dirty="0" smtClean="0"/>
+              <a:t>Uses polymorphic code</a:t>
+            </a:r>
+          </a:p>
+          <a:p>
+            <a:r>
+              <a:rPr lang="en-US" altLang="ko-KR" dirty="0" smtClean="0"/>
+              <a:t>The body is encrypted and the decryption code is morphed</a:t>
+            </a:r>
+          </a:p>
+          <a:p>
+            <a:pPr lvl="1"/>
+            <a:r>
+              <a:rPr lang="en-US" altLang="ko-KR" dirty="0" smtClean="0"/>
+              <a:t>Encrypted body has no common signature, also the decryption code due to the morphing</a:t>
+            </a:r>
+          </a:p>
+          <a:p>
+            <a:r>
+              <a:rPr lang="en-US" altLang="ko-KR" dirty="0" smtClean="0"/>
+              <a:t>Can be detected using emulation</a:t>
+            </a:r>
+          </a:p>
+          <a:p>
+            <a:pPr lvl="1"/>
+            <a:r>
+              <a:rPr lang="en-US" altLang="ko-KR" dirty="0" smtClean="0"/>
+              <a:t>Suspicious code can be executed in an emulator</a:t>
+            </a:r>
+          </a:p>
+          <a:p>
+            <a:pPr lvl="1"/>
+            <a:r>
+              <a:rPr lang="en-US" altLang="ko-KR" dirty="0" smtClean="0"/>
+              <a:t>Much slower than simple signature detection</a:t>
+            </a:r>
+            <a:endParaRPr lang="en-US" altLang="ko-KR" dirty="0" smtClean="0"/>
+          </a:p>
+        </p:txBody>
+      </p:sp>
+    </p:spTree>
+    <p:extLst>
+      <p:ext uri="{BB962C8B-B14F-4D97-AF65-F5344CB8AC3E}">
+        <p14:creationId xmlns:p14="http://schemas.microsoft.com/office/powerpoint/2010/main" val="1141480500"/>
+      </p:ext>
+    </p:extLst>
+  </p:cSld>
+  <p:clrMapOvr>
+    <a:masterClrMapping/>
+  </p:clrMapOvr>
+  <p:timing>
+    <p:tnLst>
+      <p:par>
+        <p:cTn id="1" dur="indefinite" restart="never" nodeType="tmRoot"/>
+      </p:par>
+    </p:tnLst>
+  </p:timing>
+</p:sld>
+</file>
+
+<file path=ppt/slides/slide31.xml><?xml version="1.0" encoding="utf-8"?>
+<p:sld xmlns:a="http://schemas.openxmlformats.org/drawingml/2006/main" xmlns:r="http://schemas.openxmlformats.org/officeDocument/2006/relationships" xmlns:p="http://schemas.openxmlformats.org/presentationml/2006/main">
+  <p:cSld>
+    <p:spTree>
+      <p:nvGrpSpPr>
+        <p:cNvPr id="1" name=""/>
+        <p:cNvGrpSpPr/>
+        <p:nvPr/>
+      </p:nvGrpSpPr>
+      <p:grpSpPr>
+        <a:xfrm>
+          <a:off x="0" y="0"/>
+          <a:ext cx="0" cy="0"/>
+          <a:chOff x="0" y="0"/>
+          <a:chExt cx="0" cy="0"/>
+        </a:xfrm>
+      </p:grpSpPr>
+      <p:sp>
+        <p:nvSpPr>
+          <p:cNvPr id="2" name="제목 1"/>
+          <p:cNvSpPr>
+            <a:spLocks noGrp="1"/>
+          </p:cNvSpPr>
+          <p:nvPr>
+            <p:ph type="title"/>
+          </p:nvPr>
+        </p:nvSpPr>
+        <p:spPr/>
+        <p:txBody>
+          <a:bodyPr/>
+          <a:lstStyle/>
+          <a:p>
+            <a:r>
+              <a:rPr lang="en-US" altLang="ko-KR" b="1" dirty="0" smtClean="0"/>
+              <a:t>Metamorphic Malware</a:t>
+            </a:r>
+            <a:endParaRPr lang="ko-KR" altLang="en-US" b="1" dirty="0"/>
+          </a:p>
+        </p:txBody>
+      </p:sp>
+      <p:sp>
+        <p:nvSpPr>
+          <p:cNvPr id="3" name="내용 개체 틀 2"/>
+          <p:cNvSpPr>
+            <a:spLocks noGrp="1"/>
+          </p:cNvSpPr>
+          <p:nvPr>
+            <p:ph idx="1"/>
+          </p:nvPr>
+        </p:nvSpPr>
+        <p:spPr/>
+        <p:txBody>
+          <a:bodyPr/>
+          <a:lstStyle/>
+          <a:p>
+            <a:r>
+              <a:rPr lang="en-US" altLang="ko-KR" dirty="0" smtClean="0"/>
+              <a:t>Mutates before infecting a new system</a:t>
+            </a:r>
+          </a:p>
+          <a:p>
+            <a:pPr lvl="1"/>
+            <a:r>
+              <a:rPr lang="en-US" altLang="ko-KR" dirty="0" smtClean="0"/>
+              <a:t>If the mutation is sufficient, </a:t>
+            </a:r>
+            <a:r>
+              <a:rPr lang="en-US" altLang="ko-KR" dirty="0" smtClean="0"/>
+              <a:t>it can likely avoid any signature-based detection system</a:t>
+            </a:r>
+          </a:p>
+          <a:p>
+            <a:pPr lvl="1"/>
+            <a:r>
+              <a:rPr lang="en-US" altLang="ko-KR" dirty="0" smtClean="0"/>
+              <a:t>Internal structure is different enough to avoid detection</a:t>
+            </a:r>
+          </a:p>
+          <a:p>
+            <a:pPr lvl="1"/>
+            <a:r>
+              <a:rPr lang="en-US" altLang="ko-KR" dirty="0" smtClean="0"/>
+              <a:t>But does the same thing as the original one</a:t>
+            </a:r>
+          </a:p>
+          <a:p>
+            <a:r>
+              <a:rPr lang="en-US" altLang="ko-KR" dirty="0" smtClean="0"/>
+              <a:t>Detection metamorphic malware is still challenging research</a:t>
+            </a:r>
+          </a:p>
+          <a:p>
+            <a:r>
+              <a:rPr lang="en-US" altLang="ko-KR" dirty="0" smtClean="0"/>
+              <a:t>Disassemble itself and reconstruct</a:t>
+            </a:r>
+          </a:p>
+          <a:p>
+            <a:pPr lvl="1"/>
+            <a:r>
+              <a:rPr lang="en-US" altLang="ko-KR" dirty="0" smtClean="0"/>
+              <a:t>Randomly selected code could be inserted in to the assembly</a:t>
+            </a:r>
+          </a:p>
+          <a:p>
+            <a:pPr lvl="1"/>
+            <a:r>
+              <a:rPr lang="en-US" altLang="ko-KR" dirty="0" smtClean="0"/>
+              <a:t>And also </a:t>
+            </a:r>
+            <a:r>
+              <a:rPr lang="en-US" altLang="ko-KR" dirty="0" smtClean="0"/>
+              <a:t>rearranging jumps and inserting dead code</a:t>
+            </a:r>
+          </a:p>
+        </p:txBody>
+      </p:sp>
+    </p:spTree>
+    <p:extLst>
+      <p:ext uri="{BB962C8B-B14F-4D97-AF65-F5344CB8AC3E}">
+        <p14:creationId xmlns:p14="http://schemas.microsoft.com/office/powerpoint/2010/main" val="3151015102"/>
+      </p:ext>
+    </p:extLst>
+  </p:cSld>
+  <p:clrMapOvr>
+    <a:masterClrMapping/>
+  </p:clrMapOvr>
+  <p:timing>
+    <p:tnLst>
+      <p:par>
+        <p:cTn id="1" dur="indefinite" restart="never" nodeType="tmRoot"/>
+      </p:par>
+    </p:tnLst>
+  </p:timing>
+</p:sld>
+</file>
+
+<file path=ppt/slides/slide32.xml><?xml version="1.0" encoding="utf-8"?>
+<p:sld xmlns:a="http://schemas.openxmlformats.org/drawingml/2006/main" xmlns:r="http://schemas.openxmlformats.org/officeDocument/2006/relationships" xmlns:p="http://schemas.openxmlformats.org/presentationml/2006/main">
+  <p:cSld>
+    <p:spTree>
+      <p:nvGrpSpPr>
+        <p:cNvPr id="1" name=""/>
+        <p:cNvGrpSpPr/>
+        <p:nvPr/>
+      </p:nvGrpSpPr>
+      <p:grpSpPr>
+        <a:xfrm>
+          <a:off x="0" y="0"/>
+          <a:ext cx="0" cy="0"/>
+          <a:chOff x="0" y="0"/>
+          <a:chExt cx="0" cy="0"/>
+        </a:xfrm>
+      </p:grpSpPr>
+      <p:sp>
+        <p:nvSpPr>
+          <p:cNvPr id="2" name="제목 1"/>
+          <p:cNvSpPr>
+            <a:spLocks noGrp="1"/>
+          </p:cNvSpPr>
+          <p:nvPr>
+            <p:ph type="title"/>
+          </p:nvPr>
+        </p:nvSpPr>
+        <p:spPr/>
+        <p:txBody>
+          <a:bodyPr/>
+          <a:lstStyle/>
+          <a:p>
+            <a:r>
+              <a:rPr lang="en-US" altLang="ko-KR" b="1" dirty="0" smtClean="0"/>
+              <a:t>Speed of Malware</a:t>
+            </a:r>
+            <a:endParaRPr lang="ko-KR" altLang="en-US" b="1" dirty="0"/>
+          </a:p>
+        </p:txBody>
+      </p:sp>
+      <p:sp>
+        <p:nvSpPr>
+          <p:cNvPr id="3" name="내용 개체 틀 2"/>
+          <p:cNvSpPr>
+            <a:spLocks noGrp="1"/>
+          </p:cNvSpPr>
+          <p:nvPr>
+            <p:ph idx="1"/>
+          </p:nvPr>
+        </p:nvSpPr>
+        <p:spPr/>
+        <p:txBody>
+          <a:bodyPr>
+            <a:normAutofit/>
+          </a:bodyPr>
+          <a:lstStyle/>
+          <a:p>
+            <a:r>
+              <a:rPr lang="en-US" altLang="ko-KR" dirty="0" smtClean="0"/>
+              <a:t>Try to infect as many machines as possible in short time</a:t>
+            </a:r>
+          </a:p>
+          <a:p>
+            <a:pPr lvl="1"/>
+            <a:r>
+              <a:rPr lang="en-US" altLang="ko-KR" dirty="0" smtClean="0"/>
+              <a:t>Can also be viewed as an attack for defeating signature detection</a:t>
+            </a:r>
+          </a:p>
+          <a:p>
+            <a:pPr lvl="1"/>
+            <a:r>
+              <a:rPr lang="en-US" altLang="ko-KR" dirty="0" smtClean="0"/>
+              <a:t>Rapid attack would not allow time for extracting signatures</a:t>
+            </a:r>
+          </a:p>
+          <a:p>
+            <a:r>
+              <a:rPr lang="en-US" altLang="ko-KR" dirty="0" smtClean="0"/>
+              <a:t>Warhol worm, for example, is designed to infect the entire Internet in 15 minutes or less</a:t>
+            </a:r>
+          </a:p>
+          <a:p>
+            <a:pPr lvl="1"/>
+            <a:r>
+              <a:rPr lang="en-US" altLang="ko-KR" dirty="0" smtClean="0"/>
+              <a:t>Sites of “hit list” of vulnerable IP addresses would initially be seeded</a:t>
+            </a:r>
+          </a:p>
+          <a:p>
+            <a:pPr lvl="1"/>
+            <a:r>
+              <a:rPr lang="en-US" altLang="ko-KR" dirty="0" smtClean="0"/>
+              <a:t>Then the hit lists are looking for another victims</a:t>
+            </a:r>
+          </a:p>
+          <a:p>
+            <a:r>
+              <a:rPr lang="en-US" altLang="ko-KR" dirty="0" smtClean="0"/>
+              <a:t>Flash worm, the much faster than Warhol worm</a:t>
+            </a:r>
+          </a:p>
+          <a:p>
+            <a:pPr lvl="1"/>
+            <a:r>
+              <a:rPr lang="en-US" altLang="ko-KR" dirty="0" smtClean="0"/>
+              <a:t>Embedding all susceptible IP addresses into the worm</a:t>
+            </a:r>
+          </a:p>
+          <a:p>
+            <a:pPr lvl="1"/>
+            <a:r>
+              <a:rPr lang="en-US" altLang="ko-KR" dirty="0"/>
+              <a:t>W</a:t>
+            </a:r>
+            <a:r>
+              <a:rPr lang="en-US" altLang="ko-KR" dirty="0" smtClean="0"/>
+              <a:t>ell-designed flash worm can infects entire Internet in 15 seconds</a:t>
+            </a:r>
+            <a:endParaRPr lang="en-US" altLang="ko-KR" dirty="0" smtClean="0"/>
+          </a:p>
+        </p:txBody>
+      </p:sp>
+    </p:spTree>
+    <p:extLst>
+      <p:ext uri="{BB962C8B-B14F-4D97-AF65-F5344CB8AC3E}">
+        <p14:creationId xmlns:p14="http://schemas.microsoft.com/office/powerpoint/2010/main" val="3234257918"/>
+      </p:ext>
+    </p:extLst>
+  </p:cSld>
+  <p:clrMapOvr>
+    <a:masterClrMapping/>
+  </p:clrMapOvr>
+  <p:timing>
+    <p:tnLst>
+      <p:par>
+        <p:cTn id="1" dur="indefinite" restart="never" nodeType="tmRoot"/>
+      </p:par>
+    </p:tnLst>
+  </p:timing>
+</p:sld>
+</file>
+
+<file path=ppt/slides/slide33.xml><?xml version="1.0" encoding="utf-8"?>
+<p:sld xmlns:a="http://schemas.openxmlformats.org/drawingml/2006/main" xmlns:r="http://schemas.openxmlformats.org/officeDocument/2006/relationships" xmlns:p="http://schemas.openxmlformats.org/presentationml/2006/main">
+  <p:cSld>
+    <p:spTree>
+      <p:nvGrpSpPr>
+        <p:cNvPr id="1" name=""/>
+        <p:cNvGrpSpPr/>
+        <p:nvPr/>
+      </p:nvGrpSpPr>
+      <p:grpSpPr>
+        <a:xfrm>
+          <a:off x="0" y="0"/>
+          <a:ext cx="0" cy="0"/>
+          <a:chOff x="0" y="0"/>
+          <a:chExt cx="0" cy="0"/>
+        </a:xfrm>
+      </p:grpSpPr>
+      <p:sp>
+        <p:nvSpPr>
+          <p:cNvPr id="2" name="제목 1"/>
+          <p:cNvSpPr>
+            <a:spLocks noGrp="1"/>
+          </p:cNvSpPr>
+          <p:nvPr>
+            <p:ph type="title"/>
+          </p:nvPr>
+        </p:nvSpPr>
+        <p:spPr/>
+        <p:txBody>
+          <a:bodyPr/>
+          <a:lstStyle/>
+          <a:p>
+            <a:r>
+              <a:rPr lang="en-US" altLang="ko-KR" b="1" dirty="0" smtClean="0"/>
+              <a:t>Defense Against Fast Attacks</a:t>
+            </a:r>
+            <a:endParaRPr lang="ko-KR" altLang="en-US" b="1" dirty="0"/>
+          </a:p>
+        </p:txBody>
+      </p:sp>
+      <p:sp>
+        <p:nvSpPr>
+          <p:cNvPr id="3" name="내용 개체 틀 2"/>
+          <p:cNvSpPr>
+            <a:spLocks noGrp="1"/>
+          </p:cNvSpPr>
+          <p:nvPr>
+            <p:ph idx="1"/>
+          </p:nvPr>
+        </p:nvSpPr>
+        <p:spPr/>
+        <p:txBody>
+          <a:bodyPr>
+            <a:normAutofit/>
+          </a:bodyPr>
+          <a:lstStyle/>
+          <a:p>
+            <a:r>
+              <a:rPr lang="en-US" altLang="ko-KR" dirty="0" smtClean="0"/>
+              <a:t>Such Warhol worm and flash worm are too fast to respond</a:t>
+            </a:r>
+          </a:p>
+          <a:p>
+            <a:pPr lvl="1"/>
+            <a:r>
+              <a:rPr lang="en-US" altLang="ko-KR" dirty="0" smtClean="0"/>
+              <a:t>Defense systems must be automated</a:t>
+            </a:r>
+          </a:p>
+          <a:p>
+            <a:r>
+              <a:rPr lang="en-US" altLang="ko-KR" dirty="0" smtClean="0"/>
+              <a:t>When attacks detected, make a defense line to block spreading the malwares</a:t>
+            </a:r>
+          </a:p>
+          <a:p>
+            <a:pPr lvl="1"/>
+            <a:r>
+              <a:rPr lang="en-US" altLang="ko-KR" dirty="0" smtClean="0"/>
+              <a:t>Let the malware proceed on a few nodes</a:t>
+            </a:r>
+          </a:p>
+          <a:p>
+            <a:pPr lvl="1"/>
+            <a:r>
+              <a:rPr lang="en-US" altLang="ko-KR" dirty="0" smtClean="0"/>
+              <a:t>While temporarily blocking it elsewhere</a:t>
+            </a:r>
+          </a:p>
+          <a:p>
+            <a:pPr lvl="1"/>
+            <a:r>
+              <a:rPr lang="en-US" altLang="ko-KR" dirty="0" smtClean="0"/>
+              <a:t>If it’s a false alarm, the other nodes are only delayed slightly</a:t>
+            </a:r>
+          </a:p>
+        </p:txBody>
+      </p:sp>
+    </p:spTree>
+    <p:extLst>
+      <p:ext uri="{BB962C8B-B14F-4D97-AF65-F5344CB8AC3E}">
+        <p14:creationId xmlns:p14="http://schemas.microsoft.com/office/powerpoint/2010/main" val="2746753644"/>
+      </p:ext>
+    </p:extLst>
+  </p:cSld>
+  <p:clrMapOvr>
+    <a:masterClrMapping/>
+  </p:clrMapOvr>
+  <p:timing>
+    <p:tnLst>
+      <p:par>
+        <p:cTn id="1" dur="indefinite" restart="never" nodeType="tmRoot"/>
+      </p:par>
+    </p:tnLst>
+  </p:timing>
+</p:sld>
+</file>
+
+<file path=ppt/slides/slide34.xml><?xml version="1.0" encoding="utf-8"?>
+<p:sld xmlns:a="http://schemas.openxmlformats.org/drawingml/2006/main" xmlns:r="http://schemas.openxmlformats.org/officeDocument/2006/relationships" xmlns:p="http://schemas.openxmlformats.org/presentationml/2006/main">
+  <p:cSld>
+    <p:spTree>
+      <p:nvGrpSpPr>
+        <p:cNvPr id="1" name=""/>
+        <p:cNvGrpSpPr/>
+        <p:nvPr/>
+      </p:nvGrpSpPr>
+      <p:grpSpPr>
+        <a:xfrm>
+          <a:off x="0" y="0"/>
+          <a:ext cx="0" cy="0"/>
+          <a:chOff x="0" y="0"/>
+          <a:chExt cx="0" cy="0"/>
+        </a:xfrm>
+      </p:grpSpPr>
+      <p:sp>
+        <p:nvSpPr>
+          <p:cNvPr id="2" name="제목 1"/>
+          <p:cNvSpPr>
+            <a:spLocks noGrp="1"/>
+          </p:cNvSpPr>
+          <p:nvPr>
+            <p:ph type="ctrTitle"/>
+          </p:nvPr>
+        </p:nvSpPr>
+        <p:spPr/>
+        <p:txBody>
+          <a:bodyPr>
+            <a:normAutofit/>
+          </a:bodyPr>
+          <a:lstStyle/>
+          <a:p>
+            <a:r>
+              <a:rPr lang="en-US" altLang="ko-KR" sz="4800" b="1" dirty="0" smtClean="0"/>
+              <a:t>11.3.8 Cyber Diseases Versus Biological Diseases</a:t>
+            </a:r>
+            <a:endParaRPr lang="ko-KR" altLang="en-US" sz="4800" b="1" dirty="0"/>
+          </a:p>
+        </p:txBody>
+      </p:sp>
+      <p:sp>
+        <p:nvSpPr>
+          <p:cNvPr id="4" name="부제목 3"/>
+          <p:cNvSpPr>
+            <a:spLocks noGrp="1"/>
+          </p:cNvSpPr>
+          <p:nvPr>
+            <p:ph type="subTitle" idx="1"/>
+          </p:nvPr>
+        </p:nvSpPr>
+        <p:spPr/>
+        <p:txBody>
+          <a:bodyPr/>
+          <a:lstStyle/>
+          <a:p>
+            <a:endParaRPr lang="ko-KR" altLang="en-US" dirty="0"/>
+          </a:p>
+        </p:txBody>
+      </p:sp>
+    </p:spTree>
+    <p:extLst>
+      <p:ext uri="{BB962C8B-B14F-4D97-AF65-F5344CB8AC3E}">
+        <p14:creationId xmlns:p14="http://schemas.microsoft.com/office/powerpoint/2010/main" val="1181246989"/>
+      </p:ext>
+    </p:extLst>
+  </p:cSld>
+  <p:clrMapOvr>
+    <a:masterClrMapping/>
+  </p:clrMapOvr>
+  <p:timing>
+    <p:tnLst>
+      <p:par>
+        <p:cTn id="1" dur="indefinite" restart="never" nodeType="tmRoot"/>
+      </p:par>
+    </p:tnLst>
+  </p:timing>
+</p:sld>
+</file>
+
+<file path=ppt/slides/slide35.xml><?xml version="1.0" encoding="utf-8"?>
+<p:sld xmlns:a="http://schemas.openxmlformats.org/drawingml/2006/main" xmlns:r="http://schemas.openxmlformats.org/officeDocument/2006/relationships" xmlns:p="http://schemas.openxmlformats.org/presentationml/2006/main">
+  <p:cSld>
+    <p:spTree>
+      <p:nvGrpSpPr>
+        <p:cNvPr id="1" name=""/>
+        <p:cNvGrpSpPr/>
+        <p:nvPr/>
+      </p:nvGrpSpPr>
+      <p:grpSpPr>
+        <a:xfrm>
+          <a:off x="0" y="0"/>
+          <a:ext cx="0" cy="0"/>
+          <a:chOff x="0" y="0"/>
+          <a:chExt cx="0" cy="0"/>
+        </a:xfrm>
+      </p:grpSpPr>
+      <p:sp>
+        <p:nvSpPr>
+          <p:cNvPr id="2" name="제목 1"/>
+          <p:cNvSpPr>
+            <a:spLocks noGrp="1"/>
+          </p:cNvSpPr>
+          <p:nvPr>
+            <p:ph type="title"/>
+          </p:nvPr>
+        </p:nvSpPr>
+        <p:spPr/>
+        <p:txBody>
+          <a:bodyPr/>
+          <a:lstStyle/>
+          <a:p>
+            <a:r>
+              <a:rPr lang="en-US" altLang="ko-KR" b="1" dirty="0" smtClean="0"/>
+              <a:t>Similarities and Differences</a:t>
+            </a:r>
+            <a:endParaRPr lang="ko-KR" altLang="en-US" b="1" dirty="0"/>
+          </a:p>
+        </p:txBody>
+      </p:sp>
+      <p:sp>
+        <p:nvSpPr>
+          <p:cNvPr id="3" name="내용 개체 틀 2"/>
+          <p:cNvSpPr>
+            <a:spLocks noGrp="1"/>
+          </p:cNvSpPr>
+          <p:nvPr>
+            <p:ph idx="1"/>
+          </p:nvPr>
+        </p:nvSpPr>
+        <p:spPr/>
+        <p:txBody>
+          <a:bodyPr/>
+          <a:lstStyle/>
+          <a:p>
+            <a:r>
+              <a:rPr lang="en-US" altLang="ko-KR" dirty="0" smtClean="0"/>
+              <a:t>If there are few susceptible individuals or systems, diseases will not be survived</a:t>
+            </a:r>
+          </a:p>
+          <a:p>
+            <a:r>
+              <a:rPr lang="en-US" altLang="ko-KR" dirty="0" smtClean="0"/>
+              <a:t>There is virtually no distance between cyber diseases</a:t>
+            </a:r>
+          </a:p>
+          <a:p>
+            <a:r>
+              <a:rPr lang="en-US" altLang="ko-KR" dirty="0" smtClean="0"/>
+              <a:t>Diseases randomly attack in nature, while cyber attack is focused on specific targets most desirable or vulnerable</a:t>
+            </a:r>
+          </a:p>
+          <a:p>
+            <a:r>
+              <a:rPr lang="en-US" altLang="ko-KR" dirty="0" smtClean="0"/>
+              <a:t>As a result, computer attacks are potentially more focused and damaging than biological diseases</a:t>
+            </a:r>
+          </a:p>
+          <a:p>
+            <a:r>
+              <a:rPr lang="en-US" altLang="ko-KR" dirty="0" smtClean="0"/>
+              <a:t>Biological analogy is useful, but it can’t be taken too literally</a:t>
+            </a:r>
+          </a:p>
+          <a:p>
+            <a:r>
+              <a:rPr lang="en-US" altLang="ko-KR" dirty="0" smtClean="0"/>
+              <a:t>Mobile attacks could include aspects of </a:t>
+            </a:r>
+            <a:r>
+              <a:rPr lang="en-US" altLang="ko-KR" dirty="0" err="1" smtClean="0"/>
+              <a:t>boths</a:t>
+            </a:r>
+            <a:endParaRPr lang="en-US" altLang="ko-KR" dirty="0" smtClean="0"/>
+          </a:p>
+        </p:txBody>
+      </p:sp>
+    </p:spTree>
+    <p:extLst>
+      <p:ext uri="{BB962C8B-B14F-4D97-AF65-F5344CB8AC3E}">
+        <p14:creationId xmlns:p14="http://schemas.microsoft.com/office/powerpoint/2010/main" val="3774605585"/>
       </p:ext>
     </p:extLst>
   </p:cSld>
@@ -5154,7 +6530,6 @@
               <a:rPr lang="en-US" altLang="ko-KR" dirty="0" smtClean="0"/>
               <a:t>Provided clear warning of the potential for malware to cause damage, but ignored at that time</a:t>
             </a:r>
-            <a:endParaRPr lang="en-US" altLang="ko-KR" dirty="0" smtClean="0"/>
           </a:p>
           <a:p>
             <a:r>
